--- a/opends4all-resources/opends4all-foundation/DATA-EXPLORATION-Summary-Statistics-intro.pptx
+++ b/opends4all-resources/opends4all-foundation/DATA-EXPLORATION-Summary-Statistics-intro.pptx
@@ -10857,7 +10857,7 @@
             </a:pPr>
             <a:fld id="{7323C85F-1269-B54F-84D5-B0E2FBC7E66E}" type="datetime1">
               <a:rPr lang="en-US" smtClean="0"/>
-              <a:t>8/25/2022</a:t>
+              <a:t>8/29/2022</a:t>
             </a:fld>
             <a:endParaRPr lang="en-US" dirty="0"/>
           </a:p>
@@ -11490,7 +11490,7 @@
             </a:pPr>
             <a:fld id="{8FBD591B-9D13-B949-9C7D-34F44F1D5FA5}" type="datetime1">
               <a:rPr lang="en-US" smtClean="0"/>
-              <a:t>8/25/2022</a:t>
+              <a:t>8/29/2022</a:t>
             </a:fld>
             <a:endParaRPr lang="en-US" dirty="0"/>
           </a:p>
@@ -12518,7 +12518,7 @@
             </a:pPr>
             <a:fld id="{7323C85F-1269-B54F-84D5-B0E2FBC7E66E}" type="datetime1">
               <a:rPr lang="en-US" smtClean="0"/>
-              <a:t>8/25/2022</a:t>
+              <a:t>8/29/2022</a:t>
             </a:fld>
             <a:endParaRPr lang="en-US" dirty="0"/>
           </a:p>
@@ -13443,7 +13443,7 @@
             </a:pPr>
             <a:fld id="{7323C85F-1269-B54F-84D5-B0E2FBC7E66E}" type="datetime1">
               <a:rPr lang="en-US" smtClean="0"/>
-              <a:t>8/25/2022</a:t>
+              <a:t>8/29/2022</a:t>
             </a:fld>
             <a:endParaRPr lang="en-US" dirty="0"/>
           </a:p>
@@ -14474,7 +14474,7 @@
             </a:pPr>
             <a:fld id="{7323C85F-1269-B54F-84D5-B0E2FBC7E66E}" type="datetime1">
               <a:rPr lang="en-US" smtClean="0"/>
-              <a:t>8/25/2022</a:t>
+              <a:t>8/29/2022</a:t>
             </a:fld>
             <a:endParaRPr lang="en-US" dirty="0"/>
           </a:p>
@@ -15505,7 +15505,7 @@
             </a:pPr>
             <a:fld id="{7323C85F-1269-B54F-84D5-B0E2FBC7E66E}" type="datetime1">
               <a:rPr lang="en-US" smtClean="0"/>
-              <a:t>8/25/2022</a:t>
+              <a:t>8/29/2022</a:t>
             </a:fld>
             <a:endParaRPr lang="en-US" dirty="0"/>
           </a:p>
@@ -16584,7 +16584,7 @@
             </a:pPr>
             <a:fld id="{7323C85F-1269-B54F-84D5-B0E2FBC7E66E}" type="datetime1">
               <a:rPr lang="en-US" smtClean="0"/>
-              <a:t>8/25/2022</a:t>
+              <a:t>8/29/2022</a:t>
             </a:fld>
             <a:endParaRPr lang="en-US" dirty="0"/>
           </a:p>
@@ -17661,7 +17661,7 @@
             </a:pPr>
             <a:fld id="{7323C85F-1269-B54F-84D5-B0E2FBC7E66E}" type="datetime1">
               <a:rPr lang="en-US" smtClean="0"/>
-              <a:t>8/25/2022</a:t>
+              <a:t>8/29/2022</a:t>
             </a:fld>
             <a:endParaRPr lang="en-US" dirty="0"/>
           </a:p>
@@ -18613,7 +18613,7 @@
             </a:pPr>
             <a:fld id="{7323C85F-1269-B54F-84D5-B0E2FBC7E66E}" type="datetime1">
               <a:rPr lang="en-US" smtClean="0"/>
-              <a:t>8/25/2022</a:t>
+              <a:t>8/29/2022</a:t>
             </a:fld>
             <a:endParaRPr lang="en-US" dirty="0"/>
           </a:p>
@@ -19378,7 +19378,7 @@
             </a:pPr>
             <a:fld id="{7323C85F-1269-B54F-84D5-B0E2FBC7E66E}" type="datetime1">
               <a:rPr lang="en-US" smtClean="0"/>
-              <a:t>8/25/2022</a:t>
+              <a:t>8/29/2022</a:t>
             </a:fld>
             <a:endParaRPr lang="en-US" dirty="0"/>
           </a:p>
@@ -20354,7 +20354,7 @@
             </a:pPr>
             <a:fld id="{7323C85F-1269-B54F-84D5-B0E2FBC7E66E}" type="datetime1">
               <a:rPr lang="en-US" smtClean="0"/>
-              <a:t>8/25/2022</a:t>
+              <a:t>8/29/2022</a:t>
             </a:fld>
             <a:endParaRPr lang="en-US" dirty="0"/>
           </a:p>
@@ -21647,6 +21647,67 @@
           </a:p>
         </p:txBody>
       </p:sp>
+      <p:sp>
+        <p:nvSpPr>
+          <p:cNvPr id="2" name="Rectangle 1">
+            <a:extLst>
+              <a:ext uri="{FF2B5EF4-FFF2-40B4-BE49-F238E27FC236}">
+                <a16:creationId xmlns:a16="http://schemas.microsoft.com/office/drawing/2014/main" id="{BEC91517-201E-E3F5-1065-7F224C59690F}"/>
+              </a:ext>
+            </a:extLst>
+          </p:cNvPr>
+          <p:cNvSpPr/>
+          <p:nvPr/>
+        </p:nvSpPr>
+        <p:spPr>
+          <a:xfrm>
+            <a:off x="3371949" y="0"/>
+            <a:ext cx="5772051" cy="276999"/>
+          </a:xfrm>
+          <a:prstGeom prst="rect">
+            <a:avLst/>
+          </a:prstGeom>
+        </p:spPr>
+        <p:txBody>
+          <a:bodyPr wrap="square">
+            <a:spAutoFit/>
+          </a:bodyPr>
+          <a:lstStyle/>
+          <a:p>
+            <a:pPr marL="0" marR="0" lvl="0" indent="0" defTabSz="914400" eaLnBrk="1" fontAlgn="auto" latinLnBrk="0" hangingPunct="1">
+              <a:lnSpc>
+                <a:spcPct val="100000"/>
+              </a:lnSpc>
+              <a:spcBef>
+                <a:spcPts val="0"/>
+              </a:spcBef>
+              <a:spcAft>
+                <a:spcPts val="0"/>
+              </a:spcAft>
+              <a:buClrTx/>
+              <a:buSzTx/>
+              <a:buFontTx/>
+              <a:buNone/>
+              <a:tabLst/>
+              <a:defRPr/>
+            </a:pPr>
+            <a:r>
+              <a:rPr kumimoji="0" lang="en-US" sz="1200" b="0" i="1" u="none" strike="noStrike" kern="0" cap="none" spc="0" normalizeH="0" baseline="0" noProof="0" dirty="0">
+                <a:ln>
+                  <a:noFill/>
+                </a:ln>
+                <a:solidFill>
+                  <a:srgbClr val="FF4434"/>
+                </a:solidFill>
+                <a:effectLst/>
+                <a:uLnTx/>
+                <a:uFillTx/>
+              </a:rPr>
+              <a:t>This work is supported by the National Science Foundation under Award 2021287 </a:t>
+            </a:r>
+          </a:p>
+        </p:txBody>
+      </p:sp>
     </p:spTree>
     <p:extLst>
       <p:ext uri="{BB962C8B-B14F-4D97-AF65-F5344CB8AC3E}">
@@ -22849,7 +22910,7 @@
         </p:spPr>
         <p:txBody>
           <a:bodyPr anchor="b">
-            <a:normAutofit fontScale="90000"/>
+            <a:normAutofit/>
           </a:bodyPr>
           <a:lstStyle/>
           <a:p>
@@ -23014,7 +23075,7 @@
         </p:spPr>
         <p:txBody>
           <a:bodyPr anchor="b">
-            <a:normAutofit fontScale="90000"/>
+            <a:normAutofit/>
           </a:bodyPr>
           <a:lstStyle/>
           <a:p>
